--- a/Carômetro/CC_Template_PPT_20180724 - Copia.pptx
+++ b/Carômetro/CC_Template_PPT_20180724 - Copia.pptx
@@ -251,7 +251,7 @@
           <a:p>
             <a:fld id="{990A1C90-AF2F-41FA-9964-F7F685A8827A}" type="datetimeFigureOut">
               <a:rPr lang="en-US" smtClean="0"/>
-              <a:t>5/31/2020</a:t>
+              <a:t>7/31/2020</a:t>
             </a:fld>
             <a:endParaRPr lang="en-US"/>
           </a:p>
@@ -429,7 +429,7 @@
             <a:fld id="{4106D11E-1996-436F-A3F7-16355209C4D3}" type="datetimeFigureOut">
               <a:rPr lang="fr-FR" smtClean="0"/>
               <a:pPr/>
-              <a:t>31/05/2020</a:t>
+              <a:t>31/07/2020</a:t>
             </a:fld>
             <a:endParaRPr lang="fr-FR"/>
           </a:p>
@@ -1337,8 +1337,8 @@
         </p:nvSpPr>
         <p:spPr>
           <a:xfrm>
-            <a:off x="1576552" y="1397876"/>
-            <a:ext cx="10615448" cy="5065986"/>
+            <a:off x="257504" y="1407976"/>
+            <a:ext cx="11676993" cy="5065986"/>
           </a:xfrm>
           <a:prstGeom prst="rect">
             <a:avLst/>
@@ -1397,8 +1397,8 @@
         </p:nvSpPr>
         <p:spPr>
           <a:xfrm>
-            <a:off x="1954213" y="1628775"/>
-            <a:ext cx="9920287" cy="4624388"/>
+            <a:off x="-505952" y="1616075"/>
+            <a:ext cx="13203903" cy="4624388"/>
           </a:xfrm>
           <a:prstGeom prst="rect">
             <a:avLst/>
